--- a/DevSecOpsPipeline.pptx
+++ b/DevSecOpsPipeline.pptx
@@ -4102,8 +4102,8 @@
         </p:nvSpPr>
         <p:spPr>
           <a:xfrm>
-            <a:off x="15341068" y="7786679"/>
-            <a:ext cx="3517023" cy="1639212"/>
+            <a:off x="15341068" y="7291378"/>
+            <a:ext cx="3517023" cy="2629813"/>
           </a:xfrm>
           <a:prstGeom prst="rect">
             <a:avLst/>
@@ -4124,8 +4124,9 @@
           <a:bodyPr lIns="50800" tIns="50800" rIns="50800" bIns="50800" anchor="ctr">
             <a:spAutoFit/>
           </a:bodyPr>
-          <a:lstStyle>
-            <a:lvl1pPr algn="ctr" defTabSz="825500">
+          <a:lstStyle/>
+          <a:p>
+            <a:pPr algn="ctr" defTabSz="825500">
               <a:lnSpc>
                 <a:spcPct val="100000"/>
               </a:lnSpc>
@@ -4138,48 +4139,13 @@
                 <a:cs typeface="Helvetica Neue Medium"/>
                 <a:sym typeface="Helvetica Neue Medium"/>
               </a:defRPr>
-            </a:lvl1pPr>
-          </a:lstStyle>
-          <a:p>
-            <a:pPr/>
+            </a:pPr>
             <a:r>
               <a:t>Infrastructure as code compliance scanning</a:t>
             </a:r>
           </a:p>
-        </p:txBody>
-      </p:sp>
-      <p:sp>
-        <p:nvSpPr>
-          <p:cNvPr id="157" name="AMI or container image scanning"/>
-          <p:cNvSpPr txBox="1"/>
-          <p:nvPr/>
-        </p:nvSpPr>
-        <p:spPr>
-          <a:xfrm>
-            <a:off x="10433488" y="4785409"/>
-            <a:ext cx="3517024" cy="1143912"/>
-          </a:xfrm>
-          <a:prstGeom prst="rect">
-            <a:avLst/>
-          </a:prstGeom>
-          <a:ln w="63500">
-            <a:solidFill>
-              <a:srgbClr val="000000"/>
-            </a:solidFill>
-            <a:miter lim="400000"/>
-          </a:ln>
-          <a:extLst>
-            <a:ext uri="{C572A759-6A51-4108-AA02-DFA0A04FC94B}">
-              <ma14:wrappingTextBoxFlag xmlns:ma14="http://schemas.microsoft.com/office/mac/drawingml/2011/main" val="1"/>
-            </a:ext>
-          </a:extLst>
-        </p:spPr>
-        <p:txBody>
-          <a:bodyPr lIns="50800" tIns="50800" rIns="50800" bIns="50800" anchor="ctr">
-            <a:spAutoFit/>
-          </a:bodyPr>
-          <a:lstStyle>
-            <a:lvl1pPr algn="ctr" defTabSz="825500">
+          <a:p>
+            <a:pPr algn="ctr" defTabSz="825500">
               <a:lnSpc>
                 <a:spcPct val="100000"/>
               </a:lnSpc>
@@ -4192,26 +4158,20 @@
                 <a:cs typeface="Helvetica Neue Medium"/>
                 <a:sym typeface="Helvetica Neue Medium"/>
               </a:defRPr>
-            </a:lvl1pPr>
-          </a:lstStyle>
-          <a:p>
-            <a:pPr/>
-            <a:r>
-              <a:t>AMI or container image scanning</a:t>
-            </a:r>
-          </a:p>
-        </p:txBody>
-      </p:sp>
-      <p:sp>
-        <p:nvSpPr>
-          <p:cNvPr id="158" name="Post-deployment compliance scanning"/>
+            </a:pPr>
+          </a:p>
+        </p:txBody>
+      </p:sp>
+      <p:sp>
+        <p:nvSpPr>
+          <p:cNvPr id="157" name="AMI or container image scanning"/>
           <p:cNvSpPr txBox="1"/>
           <p:nvPr/>
         </p:nvSpPr>
         <p:spPr>
           <a:xfrm>
-            <a:off x="20248647" y="7786679"/>
-            <a:ext cx="3517024" cy="1639212"/>
+            <a:off x="10433488" y="4290109"/>
+            <a:ext cx="3517024" cy="2134512"/>
           </a:xfrm>
           <a:prstGeom prst="rect">
             <a:avLst/>
@@ -4232,8 +4192,9 @@
           <a:bodyPr lIns="50800" tIns="50800" rIns="50800" bIns="50800" anchor="ctr">
             <a:spAutoFit/>
           </a:bodyPr>
-          <a:lstStyle>
-            <a:lvl1pPr algn="ctr" defTabSz="825500">
+          <a:lstStyle/>
+          <a:p>
+            <a:pPr algn="ctr" defTabSz="825500">
               <a:lnSpc>
                 <a:spcPct val="100000"/>
               </a:lnSpc>
@@ -4246,13 +4207,94 @@
                 <a:cs typeface="Helvetica Neue Medium"/>
                 <a:sym typeface="Helvetica Neue Medium"/>
               </a:defRPr>
-            </a:lvl1pPr>
-          </a:lstStyle>
-          <a:p>
-            <a:pPr/>
+            </a:pPr>
+            <a:r>
+              <a:t>AMI or container image scanning</a:t>
+            </a:r>
+          </a:p>
+          <a:p>
+            <a:pPr algn="ctr" defTabSz="825500">
+              <a:lnSpc>
+                <a:spcPct val="100000"/>
+              </a:lnSpc>
+              <a:spcBef>
+                <a:spcPts val="0"/>
+              </a:spcBef>
+              <a:defRPr sz="3200">
+                <a:latin typeface="Helvetica Neue Medium"/>
+                <a:ea typeface="Helvetica Neue Medium"/>
+                <a:cs typeface="Helvetica Neue Medium"/>
+                <a:sym typeface="Helvetica Neue Medium"/>
+              </a:defRPr>
+            </a:pPr>
+          </a:p>
+        </p:txBody>
+      </p:sp>
+      <p:sp>
+        <p:nvSpPr>
+          <p:cNvPr id="158" name="Post-deployment compliance scanning"/>
+          <p:cNvSpPr txBox="1"/>
+          <p:nvPr/>
+        </p:nvSpPr>
+        <p:spPr>
+          <a:xfrm>
+            <a:off x="20248647" y="7291378"/>
+            <a:ext cx="3517024" cy="2629813"/>
+          </a:xfrm>
+          <a:prstGeom prst="rect">
+            <a:avLst/>
+          </a:prstGeom>
+          <a:ln w="63500">
+            <a:solidFill>
+              <a:srgbClr val="000000"/>
+            </a:solidFill>
+            <a:miter lim="400000"/>
+          </a:ln>
+          <a:extLst>
+            <a:ext uri="{C572A759-6A51-4108-AA02-DFA0A04FC94B}">
+              <ma14:wrappingTextBoxFlag xmlns:ma14="http://schemas.microsoft.com/office/mac/drawingml/2011/main" val="1"/>
+            </a:ext>
+          </a:extLst>
+        </p:spPr>
+        <p:txBody>
+          <a:bodyPr lIns="50800" tIns="50800" rIns="50800" bIns="50800" anchor="ctr">
+            <a:spAutoFit/>
+          </a:bodyPr>
+          <a:lstStyle/>
+          <a:p>
+            <a:pPr algn="ctr" defTabSz="825500">
+              <a:lnSpc>
+                <a:spcPct val="100000"/>
+              </a:lnSpc>
+              <a:spcBef>
+                <a:spcPts val="0"/>
+              </a:spcBef>
+              <a:defRPr sz="3200">
+                <a:latin typeface="Helvetica Neue Medium"/>
+                <a:ea typeface="Helvetica Neue Medium"/>
+                <a:cs typeface="Helvetica Neue Medium"/>
+                <a:sym typeface="Helvetica Neue Medium"/>
+              </a:defRPr>
+            </a:pPr>
             <a:r>
               <a:t>Post-deployment compliance scanning</a:t>
             </a:r>
+          </a:p>
+          <a:p>
+            <a:pPr algn="ctr" defTabSz="825500">
+              <a:lnSpc>
+                <a:spcPct val="100000"/>
+              </a:lnSpc>
+              <a:spcBef>
+                <a:spcPts val="0"/>
+              </a:spcBef>
+              <a:defRPr sz="3200">
+                <a:latin typeface="Helvetica Neue Medium"/>
+                <a:ea typeface="Helvetica Neue Medium"/>
+                <a:cs typeface="Helvetica Neue Medium"/>
+                <a:sym typeface="Helvetica Neue Medium"/>
+              </a:defRPr>
+            </a:pPr>
           </a:p>
         </p:txBody>
       </p:sp>
@@ -4265,7 +4307,7 @@
         <p:spPr>
           <a:xfrm>
             <a:off x="22007159" y="6402283"/>
-            <a:ext cx="1" cy="1375024"/>
+            <a:ext cx="1" cy="911434"/>
           </a:xfrm>
           <a:prstGeom prst="line">
             <a:avLst/>
@@ -4294,8 +4336,8 @@
         </p:nvSpPr>
         <p:spPr>
           <a:xfrm flipV="1">
-            <a:off x="17099579" y="6181683"/>
-            <a:ext cx="1" cy="1600284"/>
+            <a:off x="17099578" y="6181683"/>
+            <a:ext cx="1" cy="1101138"/>
           </a:xfrm>
           <a:prstGeom prst="line">
             <a:avLst/>
@@ -4463,6 +4505,177 @@
           <a:lstStyle/>
           <a:p>
             <a:pPr/>
+          </a:p>
+        </p:txBody>
+      </p:sp>
+      <p:sp>
+        <p:nvSpPr>
+          <p:cNvPr id="166" name="cfripper"/>
+          <p:cNvSpPr txBox="1"/>
+          <p:nvPr/>
+        </p:nvSpPr>
+        <p:spPr>
+          <a:xfrm>
+            <a:off x="15393940" y="9223342"/>
+            <a:ext cx="3411278" cy="648245"/>
+          </a:xfrm>
+          <a:prstGeom prst="rect">
+            <a:avLst/>
+          </a:prstGeom>
+          <a:ln w="50800">
+            <a:solidFill>
+              <a:schemeClr val="accent4">
+                <a:hueOff val="-1247790"/>
+                <a:lumOff val="-12326"/>
+              </a:schemeClr>
+            </a:solidFill>
+            <a:miter lim="400000"/>
+          </a:ln>
+          <a:extLst>
+            <a:ext uri="{C572A759-6A51-4108-AA02-DFA0A04FC94B}">
+              <ma14:wrappingTextBoxFlag xmlns:ma14="http://schemas.microsoft.com/office/mac/drawingml/2011/main" val="1"/>
+            </a:ext>
+          </a:extLst>
+        </p:spPr>
+        <p:txBody>
+          <a:bodyPr lIns="50800" tIns="50800" rIns="50800" bIns="50800" anchor="ctr">
+            <a:spAutoFit/>
+          </a:bodyPr>
+          <a:lstStyle>
+            <a:lvl1pPr algn="ctr" defTabSz="825500">
+              <a:lnSpc>
+                <a:spcPct val="100000"/>
+              </a:lnSpc>
+              <a:spcBef>
+                <a:spcPts val="0"/>
+              </a:spcBef>
+              <a:defRPr sz="3300">
+                <a:latin typeface="Helvetica Neue Medium"/>
+                <a:ea typeface="Helvetica Neue Medium"/>
+                <a:cs typeface="Helvetica Neue Medium"/>
+                <a:sym typeface="Helvetica Neue Medium"/>
+              </a:defRPr>
+            </a:lvl1pPr>
+          </a:lstStyle>
+          <a:p>
+            <a:pPr/>
+            <a:r>
+              <a:t>cfripper</a:t>
+            </a:r>
+          </a:p>
+        </p:txBody>
+      </p:sp>
+      <p:sp>
+        <p:nvSpPr>
+          <p:cNvPr id="167" name="Anchore Engine"/>
+          <p:cNvSpPr txBox="1"/>
+          <p:nvPr/>
+        </p:nvSpPr>
+        <p:spPr>
+          <a:xfrm>
+            <a:off x="10486361" y="5726609"/>
+            <a:ext cx="3411278" cy="648244"/>
+          </a:xfrm>
+          <a:prstGeom prst="rect">
+            <a:avLst/>
+          </a:prstGeom>
+          <a:ln w="50800">
+            <a:solidFill>
+              <a:schemeClr val="accent4">
+                <a:hueOff val="-1247790"/>
+                <a:lumOff val="-12326"/>
+              </a:schemeClr>
+            </a:solidFill>
+            <a:miter lim="400000"/>
+          </a:ln>
+          <a:extLst>
+            <a:ext uri="{C572A759-6A51-4108-AA02-DFA0A04FC94B}">
+              <ma14:wrappingTextBoxFlag xmlns:ma14="http://schemas.microsoft.com/office/mac/drawingml/2011/main" val="1"/>
+            </a:ext>
+          </a:extLst>
+        </p:spPr>
+        <p:txBody>
+          <a:bodyPr lIns="50800" tIns="50800" rIns="50800" bIns="50800" anchor="ctr">
+            <a:spAutoFit/>
+          </a:bodyPr>
+          <a:lstStyle>
+            <a:lvl1pPr algn="ctr" defTabSz="825500">
+              <a:lnSpc>
+                <a:spcPct val="100000"/>
+              </a:lnSpc>
+              <a:spcBef>
+                <a:spcPts val="0"/>
+              </a:spcBef>
+              <a:defRPr sz="3300">
+                <a:latin typeface="Helvetica Neue Medium"/>
+                <a:ea typeface="Helvetica Neue Medium"/>
+                <a:cs typeface="Helvetica Neue Medium"/>
+                <a:sym typeface="Helvetica Neue Medium"/>
+              </a:defRPr>
+            </a:lvl1pPr>
+          </a:lstStyle>
+          <a:p>
+            <a:pPr/>
+            <a:r>
+              <a:t>Anchore Engine</a:t>
+            </a:r>
+          </a:p>
+        </p:txBody>
+      </p:sp>
+      <p:sp>
+        <p:nvSpPr>
+          <p:cNvPr id="168" name="AWS Config"/>
+          <p:cNvSpPr txBox="1"/>
+          <p:nvPr/>
+        </p:nvSpPr>
+        <p:spPr>
+          <a:xfrm>
+            <a:off x="20301520" y="9223342"/>
+            <a:ext cx="3411278" cy="648245"/>
+          </a:xfrm>
+          <a:prstGeom prst="rect">
+            <a:avLst/>
+          </a:prstGeom>
+          <a:ln w="50800">
+            <a:solidFill>
+              <a:schemeClr val="accent4">
+                <a:hueOff val="-1247790"/>
+                <a:lumOff val="-12326"/>
+              </a:schemeClr>
+            </a:solidFill>
+            <a:miter lim="400000"/>
+          </a:ln>
+          <a:extLst>
+            <a:ext uri="{C572A759-6A51-4108-AA02-DFA0A04FC94B}">
+              <ma14:wrappingTextBoxFlag xmlns:ma14="http://schemas.microsoft.com/office/mac/drawingml/2011/main" val="1"/>
+            </a:ext>
+          </a:extLst>
+        </p:spPr>
+        <p:txBody>
+          <a:bodyPr lIns="50800" tIns="50800" rIns="50800" bIns="50800" anchor="ctr">
+            <a:spAutoFit/>
+          </a:bodyPr>
+          <a:lstStyle>
+            <a:lvl1pPr algn="ctr" defTabSz="825500">
+              <a:lnSpc>
+                <a:spcPct val="100000"/>
+              </a:lnSpc>
+              <a:spcBef>
+                <a:spcPts val="0"/>
+              </a:spcBef>
+              <a:defRPr sz="3300">
+                <a:latin typeface="Helvetica Neue Medium"/>
+                <a:ea typeface="Helvetica Neue Medium"/>
+                <a:cs typeface="Helvetica Neue Medium"/>
+                <a:sym typeface="Helvetica Neue Medium"/>
+              </a:defRPr>
+            </a:lvl1pPr>
+          </a:lstStyle>
+          <a:p>
+            <a:pPr/>
+            <a:r>
+              <a:t>AWS Config</a:t>
+            </a:r>
           </a:p>
         </p:txBody>
       </p:sp>
